--- a/Daily Agendas/Day13.2_ThirdLaw.pptx
+++ b/Daily Agendas/Day13.2_ThirdLaw.pptx
@@ -303,7 +303,7 @@
             <a:fld id="{1D8BD707-D9CF-40AE-B4C6-C98DA3205C09}" type="datetimeFigureOut">
               <a:rPr lang="en-US" smtClean="0"/>
               <a:pPr/>
-              <a:t>11/25/2019</a:t>
+              <a:t>11/26/2019</a:t>
             </a:fld>
             <a:endParaRPr lang="en-US"/>
           </a:p>
@@ -468,7 +468,7 @@
             <a:fld id="{1D8BD707-D9CF-40AE-B4C6-C98DA3205C09}" type="datetimeFigureOut">
               <a:rPr lang="en-US" smtClean="0"/>
               <a:pPr/>
-              <a:t>11/25/2019</a:t>
+              <a:t>11/26/2019</a:t>
             </a:fld>
             <a:endParaRPr lang="en-US"/>
           </a:p>
@@ -643,7 +643,7 @@
             <a:fld id="{1D8BD707-D9CF-40AE-B4C6-C98DA3205C09}" type="datetimeFigureOut">
               <a:rPr lang="en-US" smtClean="0"/>
               <a:pPr/>
-              <a:t>11/25/2019</a:t>
+              <a:t>11/26/2019</a:t>
             </a:fld>
             <a:endParaRPr lang="en-US"/>
           </a:p>
@@ -808,7 +808,7 @@
             <a:fld id="{1D8BD707-D9CF-40AE-B4C6-C98DA3205C09}" type="datetimeFigureOut">
               <a:rPr lang="en-US" smtClean="0"/>
               <a:pPr/>
-              <a:t>11/25/2019</a:t>
+              <a:t>11/26/2019</a:t>
             </a:fld>
             <a:endParaRPr lang="en-US"/>
           </a:p>
@@ -1050,7 +1050,7 @@
             <a:fld id="{1D8BD707-D9CF-40AE-B4C6-C98DA3205C09}" type="datetimeFigureOut">
               <a:rPr lang="en-US" smtClean="0"/>
               <a:pPr/>
-              <a:t>11/25/2019</a:t>
+              <a:t>11/26/2019</a:t>
             </a:fld>
             <a:endParaRPr lang="en-US"/>
           </a:p>
@@ -1332,7 +1332,7 @@
             <a:fld id="{1D8BD707-D9CF-40AE-B4C6-C98DA3205C09}" type="datetimeFigureOut">
               <a:rPr lang="en-US" smtClean="0"/>
               <a:pPr/>
-              <a:t>11/25/2019</a:t>
+              <a:t>11/26/2019</a:t>
             </a:fld>
             <a:endParaRPr lang="en-US"/>
           </a:p>
@@ -1748,7 +1748,7 @@
             <a:fld id="{1D8BD707-D9CF-40AE-B4C6-C98DA3205C09}" type="datetimeFigureOut">
               <a:rPr lang="en-US" smtClean="0"/>
               <a:pPr/>
-              <a:t>11/25/2019</a:t>
+              <a:t>11/26/2019</a:t>
             </a:fld>
             <a:endParaRPr lang="en-US"/>
           </a:p>
@@ -1862,7 +1862,7 @@
             <a:fld id="{1D8BD707-D9CF-40AE-B4C6-C98DA3205C09}" type="datetimeFigureOut">
               <a:rPr lang="en-US" smtClean="0"/>
               <a:pPr/>
-              <a:t>11/25/2019</a:t>
+              <a:t>11/26/2019</a:t>
             </a:fld>
             <a:endParaRPr lang="en-US"/>
           </a:p>
@@ -1954,7 +1954,7 @@
             <a:fld id="{1D8BD707-D9CF-40AE-B4C6-C98DA3205C09}" type="datetimeFigureOut">
               <a:rPr lang="en-US" smtClean="0"/>
               <a:pPr/>
-              <a:t>11/25/2019</a:t>
+              <a:t>11/26/2019</a:t>
             </a:fld>
             <a:endParaRPr lang="en-US"/>
           </a:p>
@@ -2226,7 +2226,7 @@
             <a:fld id="{1D8BD707-D9CF-40AE-B4C6-C98DA3205C09}" type="datetimeFigureOut">
               <a:rPr lang="en-US" smtClean="0"/>
               <a:pPr/>
-              <a:t>11/25/2019</a:t>
+              <a:t>11/26/2019</a:t>
             </a:fld>
             <a:endParaRPr lang="en-US"/>
           </a:p>
@@ -2475,7 +2475,7 @@
             <a:fld id="{1D8BD707-D9CF-40AE-B4C6-C98DA3205C09}" type="datetimeFigureOut">
               <a:rPr lang="en-US" smtClean="0"/>
               <a:pPr/>
-              <a:t>11/25/2019</a:t>
+              <a:t>11/26/2019</a:t>
             </a:fld>
             <a:endParaRPr lang="en-US"/>
           </a:p>
@@ -2683,7 +2683,7 @@
             <a:fld id="{1D8BD707-D9CF-40AE-B4C6-C98DA3205C09}" type="datetimeFigureOut">
               <a:rPr lang="en-US" smtClean="0"/>
               <a:pPr/>
-              <a:t>11/25/2019</a:t>
+              <a:t>11/26/2019</a:t>
             </a:fld>
             <a:endParaRPr lang="en-US"/>
           </a:p>
@@ -3073,23 +3073,11 @@
           <a:p>
             <a:r>
               <a:rPr lang="en-CA" dirty="0" smtClean="0"/>
-              <a:t>Newton’s Third </a:t>
-            </a:r>
-            <a:r>
-              <a:rPr lang="en-CA" dirty="0" smtClean="0"/>
-              <a:t>Law </a:t>
+              <a:t>Newton’s Third Law </a:t>
             </a:r>
             <a:r>
               <a:rPr lang="en-US" dirty="0" smtClean="0"/>
-              <a:t>– </a:t>
-            </a:r>
-            <a:r>
-              <a:rPr lang="en-US" dirty="0" smtClean="0"/>
-              <a:t>Nov </a:t>
-            </a:r>
-            <a:r>
-              <a:rPr lang="en-US" dirty="0" smtClean="0"/>
-              <a:t>26</a:t>
+              <a:t>– Nov 26</a:t>
             </a:r>
             <a:r>
               <a:rPr lang="en-US" dirty="0"/>
@@ -3100,11 +3088,7 @@
             </a:br>
             <a:r>
               <a:rPr lang="en-US" sz="4000" dirty="0" smtClean="0"/>
-              <a:t>(Dynamics Day </a:t>
-            </a:r>
-            <a:r>
-              <a:rPr lang="en-US" sz="4000" dirty="0" smtClean="0"/>
-              <a:t>07)</a:t>
+              <a:t>(Dynamics Day 07)</a:t>
             </a:r>
             <a:endParaRPr lang="en-US" sz="4000" dirty="0"/>
           </a:p>
@@ -3136,26 +3120,14 @@
             <a:pPr lvl="1"/>
             <a:r>
               <a:rPr lang="en-CA" dirty="0" smtClean="0"/>
-              <a:t>Newton's </a:t>
-            </a:r>
+              <a:t>Newton's Third Law </a:t>
+            </a:r>
+          </a:p>
+          <a:p>
+            <a:pPr lvl="2"/>
             <a:r>
               <a:rPr lang="en-CA" dirty="0" smtClean="0"/>
-              <a:t>Third </a:t>
-            </a:r>
-            <a:r>
-              <a:rPr lang="en-CA" dirty="0" smtClean="0"/>
-              <a:t>Law </a:t>
-            </a:r>
-          </a:p>
-          <a:p>
-            <a:pPr lvl="2"/>
-            <a:r>
-              <a:rPr lang="en-CA" dirty="0" smtClean="0"/>
-              <a:t>Discussion: </a:t>
-            </a:r>
-            <a:r>
-              <a:rPr lang="en-CA" dirty="0" smtClean="0"/>
-              <a:t>Jumping / Running</a:t>
+              <a:t>Discussion: Jumping / Running</a:t>
             </a:r>
           </a:p>
           <a:p>
@@ -3164,7 +3136,6 @@
               <a:rPr lang="en-CA" dirty="0" smtClean="0"/>
               <a:t>Discussion: Action / Reaction Forces</a:t>
             </a:r>
-            <a:endParaRPr lang="en-CA" dirty="0" smtClean="0"/>
           </a:p>
           <a:p>
             <a:pPr lvl="2"/>
@@ -3180,7 +3151,6 @@
               <a:rPr lang="en-CA" dirty="0" smtClean="0"/>
               <a:t> Law</a:t>
             </a:r>
-            <a:endParaRPr lang="en-CA" dirty="0" smtClean="0"/>
           </a:p>
           <a:p>
             <a:pPr lvl="1"/>
@@ -3188,7 +3158,6 @@
               <a:rPr lang="en-CA" dirty="0" smtClean="0"/>
               <a:t>Worksheets</a:t>
             </a:r>
-            <a:endParaRPr lang="en-CA" dirty="0" smtClean="0"/>
           </a:p>
           <a:p>
             <a:pPr lvl="2"/>
@@ -3236,18 +3205,22 @@
             <a:pPr lvl="1"/>
             <a:r>
               <a:rPr lang="en-CA" sz="2400" dirty="0" smtClean="0"/>
-              <a:t>Past Due: </a:t>
+              <a:t>Past Due: Fan Cart Gizmo Activity</a:t>
+            </a:r>
+          </a:p>
+          <a:p>
+            <a:pPr lvl="1"/>
+            <a:r>
+              <a:rPr lang="en-CA" sz="2400" b="1" dirty="0" smtClean="0">
+                <a:solidFill>
+                  <a:srgbClr val="FF0000"/>
+                </a:solidFill>
+              </a:rPr>
+              <a:t>Friday</a:t>
             </a:r>
             <a:r>
               <a:rPr lang="en-CA" sz="2400" dirty="0" smtClean="0"/>
-              <a:t>Fan Cart Gizmo Activity</a:t>
-            </a:r>
-          </a:p>
-          <a:p>
-            <a:pPr lvl="1"/>
-            <a:r>
-              <a:rPr lang="en-CA" sz="2400" dirty="0" smtClean="0"/>
-              <a:t>Tomorrow: </a:t>
+              <a:t>: </a:t>
             </a:r>
             <a:r>
               <a:rPr lang="en-CA" sz="2400" dirty="0" smtClean="0"/>
